--- a/Sơ đồ.pptx
+++ b/Sơ đồ.pptx
@@ -127,7 +127,7 @@
   <pc:docChgLst>
     <pc:chgData name="Đàm Quang Tiến" userId="a019f4c5-124f-42a7-b110-4208e6103ff5" providerId="ADAL" clId="{E9536519-DF0C-4F92-80A5-04D73D54CAF5}"/>
     <pc:docChg chg="custSel addSld modSld">
-      <pc:chgData name="Đàm Quang Tiến" userId="a019f4c5-124f-42a7-b110-4208e6103ff5" providerId="ADAL" clId="{E9536519-DF0C-4F92-80A5-04D73D54CAF5}" dt="2021-08-05T03:56:27.226" v="1588" actId="20577"/>
+      <pc:chgData name="Đàm Quang Tiến" userId="a019f4c5-124f-42a7-b110-4208e6103ff5" providerId="ADAL" clId="{E9536519-DF0C-4F92-80A5-04D73D54CAF5}" dt="2021-08-20T14:54:27.106" v="1595" actId="20577"/>
       <pc:docMkLst>
         <pc:docMk/>
       </pc:docMkLst>
@@ -155,7 +155,7 @@
         </pc:cxnChg>
       </pc:sldChg>
       <pc:sldChg chg="addSp modSp new mod">
-        <pc:chgData name="Đàm Quang Tiến" userId="a019f4c5-124f-42a7-b110-4208e6103ff5" providerId="ADAL" clId="{E9536519-DF0C-4F92-80A5-04D73D54CAF5}" dt="2021-08-05T03:56:27.226" v="1588" actId="20577"/>
+        <pc:chgData name="Đàm Quang Tiến" userId="a019f4c5-124f-42a7-b110-4208e6103ff5" providerId="ADAL" clId="{E9536519-DF0C-4F92-80A5-04D73D54CAF5}" dt="2021-08-20T14:54:27.106" v="1595" actId="20577"/>
         <pc:sldMkLst>
           <pc:docMk/>
           <pc:sldMk cId="1735040915" sldId="257"/>
@@ -169,7 +169,7 @@
           </ac:spMkLst>
         </pc:spChg>
         <pc:spChg chg="add mod">
-          <ac:chgData name="Đàm Quang Tiến" userId="a019f4c5-124f-42a7-b110-4208e6103ff5" providerId="ADAL" clId="{E9536519-DF0C-4F92-80A5-04D73D54CAF5}" dt="2021-08-05T03:56:27.226" v="1588" actId="20577"/>
+          <ac:chgData name="Đàm Quang Tiến" userId="a019f4c5-124f-42a7-b110-4208e6103ff5" providerId="ADAL" clId="{E9536519-DF0C-4F92-80A5-04D73D54CAF5}" dt="2021-08-20T14:54:27.106" v="1595" actId="20577"/>
           <ac:spMkLst>
             <pc:docMk/>
             <pc:sldMk cId="1735040915" sldId="257"/>
@@ -384,7 +384,7 @@
           <a:p>
             <a:fld id="{B00BC79F-E798-4EF7-8296-A7590BF69590}" type="datetimeFigureOut">
               <a:rPr lang="en-US" smtClean="0"/>
-              <a:t>8/4/2021</a:t>
+              <a:t>8/20/2021</a:t>
             </a:fld>
             <a:endParaRPr lang="en-US"/>
           </a:p>
@@ -582,7 +582,7 @@
           <a:p>
             <a:fld id="{B00BC79F-E798-4EF7-8296-A7590BF69590}" type="datetimeFigureOut">
               <a:rPr lang="en-US" smtClean="0"/>
-              <a:t>8/4/2021</a:t>
+              <a:t>8/20/2021</a:t>
             </a:fld>
             <a:endParaRPr lang="en-US"/>
           </a:p>
@@ -790,7 +790,7 @@
           <a:p>
             <a:fld id="{B00BC79F-E798-4EF7-8296-A7590BF69590}" type="datetimeFigureOut">
               <a:rPr lang="en-US" smtClean="0"/>
-              <a:t>8/4/2021</a:t>
+              <a:t>8/20/2021</a:t>
             </a:fld>
             <a:endParaRPr lang="en-US"/>
           </a:p>
@@ -988,7 +988,7 @@
           <a:p>
             <a:fld id="{B00BC79F-E798-4EF7-8296-A7590BF69590}" type="datetimeFigureOut">
               <a:rPr lang="en-US" smtClean="0"/>
-              <a:t>8/4/2021</a:t>
+              <a:t>8/20/2021</a:t>
             </a:fld>
             <a:endParaRPr lang="en-US"/>
           </a:p>
@@ -1263,7 +1263,7 @@
           <a:p>
             <a:fld id="{B00BC79F-E798-4EF7-8296-A7590BF69590}" type="datetimeFigureOut">
               <a:rPr lang="en-US" smtClean="0"/>
-              <a:t>8/4/2021</a:t>
+              <a:t>8/20/2021</a:t>
             </a:fld>
             <a:endParaRPr lang="en-US"/>
           </a:p>
@@ -1528,7 +1528,7 @@
           <a:p>
             <a:fld id="{B00BC79F-E798-4EF7-8296-A7590BF69590}" type="datetimeFigureOut">
               <a:rPr lang="en-US" smtClean="0"/>
-              <a:t>8/4/2021</a:t>
+              <a:t>8/20/2021</a:t>
             </a:fld>
             <a:endParaRPr lang="en-US"/>
           </a:p>
@@ -1940,7 +1940,7 @@
           <a:p>
             <a:fld id="{B00BC79F-E798-4EF7-8296-A7590BF69590}" type="datetimeFigureOut">
               <a:rPr lang="en-US" smtClean="0"/>
-              <a:t>8/4/2021</a:t>
+              <a:t>8/20/2021</a:t>
             </a:fld>
             <a:endParaRPr lang="en-US"/>
           </a:p>
@@ -2081,7 +2081,7 @@
           <a:p>
             <a:fld id="{B00BC79F-E798-4EF7-8296-A7590BF69590}" type="datetimeFigureOut">
               <a:rPr lang="en-US" smtClean="0"/>
-              <a:t>8/4/2021</a:t>
+              <a:t>8/20/2021</a:t>
             </a:fld>
             <a:endParaRPr lang="en-US"/>
           </a:p>
@@ -2194,7 +2194,7 @@
           <a:p>
             <a:fld id="{B00BC79F-E798-4EF7-8296-A7590BF69590}" type="datetimeFigureOut">
               <a:rPr lang="en-US" smtClean="0"/>
-              <a:t>8/4/2021</a:t>
+              <a:t>8/20/2021</a:t>
             </a:fld>
             <a:endParaRPr lang="en-US"/>
           </a:p>
@@ -2505,7 +2505,7 @@
           <a:p>
             <a:fld id="{B00BC79F-E798-4EF7-8296-A7590BF69590}" type="datetimeFigureOut">
               <a:rPr lang="en-US" smtClean="0"/>
-              <a:t>8/4/2021</a:t>
+              <a:t>8/20/2021</a:t>
             </a:fld>
             <a:endParaRPr lang="en-US"/>
           </a:p>
@@ -2793,7 +2793,7 @@
           <a:p>
             <a:fld id="{B00BC79F-E798-4EF7-8296-A7590BF69590}" type="datetimeFigureOut">
               <a:rPr lang="en-US" smtClean="0"/>
-              <a:t>8/4/2021</a:t>
+              <a:t>8/20/2021</a:t>
             </a:fld>
             <a:endParaRPr lang="en-US"/>
           </a:p>
@@ -3034,7 +3034,7 @@
           <a:p>
             <a:fld id="{B00BC79F-E798-4EF7-8296-A7590BF69590}" type="datetimeFigureOut">
               <a:rPr lang="en-US" smtClean="0"/>
-              <a:t>8/4/2021</a:t>
+              <a:t>8/20/2021</a:t>
             </a:fld>
             <a:endParaRPr lang="en-US"/>
           </a:p>
@@ -4597,8 +4597,8 @@
         </p:nvSpPr>
         <p:spPr>
           <a:xfrm>
-            <a:off x="6096000" y="1105639"/>
-            <a:ext cx="5457090" cy="4524315"/>
+            <a:off x="6096000" y="700197"/>
+            <a:ext cx="5457090" cy="4247317"/>
           </a:xfrm>
           <a:prstGeom prst="rect">
             <a:avLst/>
@@ -4642,17 +4642,7 @@
             <a:pPr lvl="1"/>
             <a:r>
               <a:rPr lang="en-US"/>
-              <a:t>		- Kiểm tra wifi -&gt; chưa kết nối</a:t>
-            </a:r>
-          </a:p>
-          <a:p>
-            <a:pPr marL="2571750" lvl="5" indent="-285750">
-              <a:buFontTx/>
-              <a:buChar char="-"/>
-            </a:pPr>
-            <a:r>
-              <a:rPr lang="en-US"/>
-              <a:t>Nhắn tin cảnh báo:</a:t>
+              <a:t>		- Kiểm tra wifi báo:</a:t>
             </a:r>
           </a:p>
           <a:p>
